--- a/homwork window command.pptx
+++ b/homwork window command.pptx
@@ -10,22 +10,6 @@
     <p:sldId id="258" r:id="rId4"/>
     <p:sldId id="259" r:id="rId5"/>
     <p:sldId id="260" r:id="rId6"/>
-    <p:sldId id="261" r:id="rId7"/>
-    <p:sldId id="262" r:id="rId8"/>
-    <p:sldId id="263" r:id="rId9"/>
-    <p:sldId id="264" r:id="rId10"/>
-    <p:sldId id="265" r:id="rId11"/>
-    <p:sldId id="266" r:id="rId12"/>
-    <p:sldId id="267" r:id="rId13"/>
-    <p:sldId id="268" r:id="rId14"/>
-    <p:sldId id="269" r:id="rId15"/>
-    <p:sldId id="270" r:id="rId16"/>
-    <p:sldId id="271" r:id="rId17"/>
-    <p:sldId id="272" r:id="rId18"/>
-    <p:sldId id="273" r:id="rId19"/>
-    <p:sldId id="274" r:id="rId20"/>
-    <p:sldId id="275" r:id="rId21"/>
-    <p:sldId id="276" r:id="rId22"/>
   </p:sldIdLst>
   <p:sldSz cx="12192000" cy="6858000"/>
   <p:notesSz cx="6858000" cy="9144000"/>
@@ -124,6 +108,11 @@
       </a:defRPr>
     </a:lvl9pPr>
   </p:defaultTextStyle>
+  <p:extLst>
+    <p:ext uri="{EFAFB233-063F-42B5-8137-9DF3F51BA10A}">
+      <p15:sldGuideLst xmlns:p15="http://schemas.microsoft.com/office/powerpoint/2012/main"/>
+    </p:ext>
+  </p:extLst>
 </p:presentation>
 </file>
 
@@ -6103,596 +6092,6 @@
 </p:sld>
 </file>
 
-<file path=ppt/slides/slide10.xml><?xml version="1.0" encoding="utf-8"?>
-<p:sld xmlns:a="http://schemas.openxmlformats.org/drawingml/2006/main" xmlns:r="http://schemas.openxmlformats.org/officeDocument/2006/relationships" xmlns:p="http://schemas.openxmlformats.org/presentationml/2006/main">
-  <p:cSld>
-    <p:spTree>
-      <p:nvGrpSpPr>
-        <p:cNvPr id="1" name=""/>
-        <p:cNvGrpSpPr/>
-        <p:nvPr/>
-      </p:nvGrpSpPr>
-      <p:grpSpPr>
-        <a:xfrm>
-          <a:off x="0" y="0"/>
-          <a:ext cx="0" cy="0"/>
-          <a:chOff x="0" y="0"/>
-          <a:chExt cx="0" cy="0"/>
-        </a:xfrm>
-      </p:grpSpPr>
-      <p:pic>
-        <p:nvPicPr>
-          <p:cNvPr id="4" name="內容版面配置區 3"/>
-          <p:cNvPicPr>
-            <a:picLocks noGrp="1" noChangeAspect="1"/>
-          </p:cNvPicPr>
-          <p:nvPr>
-            <p:ph idx="1"/>
-          </p:nvPr>
-        </p:nvPicPr>
-        <p:blipFill>
-          <a:blip r:embed="rId2">
-            <a:extLst>
-              <a:ext uri="{28A0092B-C50C-407E-A947-70E740481C1C}">
-                <a14:useLocalDpi xmlns:a14="http://schemas.microsoft.com/office/drawing/2010/main" val="0"/>
-              </a:ext>
-            </a:extLst>
-          </a:blip>
-          <a:stretch>
-            <a:fillRect/>
-          </a:stretch>
-        </p:blipFill>
-        <p:spPr>
-          <a:xfrm>
-            <a:off x="0" y="182880"/>
-            <a:ext cx="9701970" cy="6023350"/>
-          </a:xfrm>
-        </p:spPr>
-      </p:pic>
-    </p:spTree>
-    <p:extLst>
-      <p:ext uri="{BB962C8B-B14F-4D97-AF65-F5344CB8AC3E}">
-        <p14:creationId xmlns:p14="http://schemas.microsoft.com/office/powerpoint/2010/main" val="1307163494"/>
-      </p:ext>
-    </p:extLst>
-  </p:cSld>
-  <p:clrMapOvr>
-    <a:masterClrMapping/>
-  </p:clrMapOvr>
-</p:sld>
-</file>
-
-<file path=ppt/slides/slide11.xml><?xml version="1.0" encoding="utf-8"?>
-<p:sld xmlns:a="http://schemas.openxmlformats.org/drawingml/2006/main" xmlns:r="http://schemas.openxmlformats.org/officeDocument/2006/relationships" xmlns:p="http://schemas.openxmlformats.org/presentationml/2006/main">
-  <p:cSld>
-    <p:spTree>
-      <p:nvGrpSpPr>
-        <p:cNvPr id="1" name=""/>
-        <p:cNvGrpSpPr/>
-        <p:nvPr/>
-      </p:nvGrpSpPr>
-      <p:grpSpPr>
-        <a:xfrm>
-          <a:off x="0" y="0"/>
-          <a:ext cx="0" cy="0"/>
-          <a:chOff x="0" y="0"/>
-          <a:chExt cx="0" cy="0"/>
-        </a:xfrm>
-      </p:grpSpPr>
-      <p:pic>
-        <p:nvPicPr>
-          <p:cNvPr id="4" name="內容版面配置區 3"/>
-          <p:cNvPicPr>
-            <a:picLocks noGrp="1" noChangeAspect="1"/>
-          </p:cNvPicPr>
-          <p:nvPr>
-            <p:ph idx="1"/>
-          </p:nvPr>
-        </p:nvPicPr>
-        <p:blipFill>
-          <a:blip r:embed="rId2">
-            <a:extLst>
-              <a:ext uri="{28A0092B-C50C-407E-A947-70E740481C1C}">
-                <a14:useLocalDpi xmlns:a14="http://schemas.microsoft.com/office/drawing/2010/main" val="0"/>
-              </a:ext>
-            </a:extLst>
-          </a:blip>
-          <a:stretch>
-            <a:fillRect/>
-          </a:stretch>
-        </p:blipFill>
-        <p:spPr>
-          <a:xfrm>
-            <a:off x="66940" y="74814"/>
-            <a:ext cx="6680652" cy="5906972"/>
-          </a:xfrm>
-        </p:spPr>
-      </p:pic>
-    </p:spTree>
-    <p:extLst>
-      <p:ext uri="{BB962C8B-B14F-4D97-AF65-F5344CB8AC3E}">
-        <p14:creationId xmlns:p14="http://schemas.microsoft.com/office/powerpoint/2010/main" val="3644150304"/>
-      </p:ext>
-    </p:extLst>
-  </p:cSld>
-  <p:clrMapOvr>
-    <a:masterClrMapping/>
-  </p:clrMapOvr>
-</p:sld>
-</file>
-
-<file path=ppt/slides/slide12.xml><?xml version="1.0" encoding="utf-8"?>
-<p:sld xmlns:a="http://schemas.openxmlformats.org/drawingml/2006/main" xmlns:r="http://schemas.openxmlformats.org/officeDocument/2006/relationships" xmlns:p="http://schemas.openxmlformats.org/presentationml/2006/main">
-  <p:cSld>
-    <p:spTree>
-      <p:nvGrpSpPr>
-        <p:cNvPr id="1" name=""/>
-        <p:cNvGrpSpPr/>
-        <p:nvPr/>
-      </p:nvGrpSpPr>
-      <p:grpSpPr>
-        <a:xfrm>
-          <a:off x="0" y="0"/>
-          <a:ext cx="0" cy="0"/>
-          <a:chOff x="0" y="0"/>
-          <a:chExt cx="0" cy="0"/>
-        </a:xfrm>
-      </p:grpSpPr>
-      <p:pic>
-        <p:nvPicPr>
-          <p:cNvPr id="4" name="內容版面配置區 3"/>
-          <p:cNvPicPr>
-            <a:picLocks noGrp="1" noChangeAspect="1"/>
-          </p:cNvPicPr>
-          <p:nvPr>
-            <p:ph idx="1"/>
-          </p:nvPr>
-        </p:nvPicPr>
-        <p:blipFill>
-          <a:blip r:embed="rId2">
-            <a:extLst>
-              <a:ext uri="{28A0092B-C50C-407E-A947-70E740481C1C}">
-                <a14:useLocalDpi xmlns:a14="http://schemas.microsoft.com/office/drawing/2010/main" val="0"/>
-              </a:ext>
-            </a:extLst>
-          </a:blip>
-          <a:stretch>
-            <a:fillRect/>
-          </a:stretch>
-        </p:blipFill>
-        <p:spPr>
-          <a:xfrm>
-            <a:off x="0" y="0"/>
-            <a:ext cx="10385580" cy="4438996"/>
-          </a:xfrm>
-        </p:spPr>
-      </p:pic>
-    </p:spTree>
-    <p:extLst>
-      <p:ext uri="{BB962C8B-B14F-4D97-AF65-F5344CB8AC3E}">
-        <p14:creationId xmlns:p14="http://schemas.microsoft.com/office/powerpoint/2010/main" val="2475097712"/>
-      </p:ext>
-    </p:extLst>
-  </p:cSld>
-  <p:clrMapOvr>
-    <a:masterClrMapping/>
-  </p:clrMapOvr>
-</p:sld>
-</file>
-
-<file path=ppt/slides/slide13.xml><?xml version="1.0" encoding="utf-8"?>
-<p:sld xmlns:a="http://schemas.openxmlformats.org/drawingml/2006/main" xmlns:r="http://schemas.openxmlformats.org/officeDocument/2006/relationships" xmlns:p="http://schemas.openxmlformats.org/presentationml/2006/main">
-  <p:cSld>
-    <p:spTree>
-      <p:nvGrpSpPr>
-        <p:cNvPr id="1" name=""/>
-        <p:cNvGrpSpPr/>
-        <p:nvPr/>
-      </p:nvGrpSpPr>
-      <p:grpSpPr>
-        <a:xfrm>
-          <a:off x="0" y="0"/>
-          <a:ext cx="0" cy="0"/>
-          <a:chOff x="0" y="0"/>
-          <a:chExt cx="0" cy="0"/>
-        </a:xfrm>
-      </p:grpSpPr>
-      <p:pic>
-        <p:nvPicPr>
-          <p:cNvPr id="4" name="內容版面配置區 3"/>
-          <p:cNvPicPr>
-            <a:picLocks noGrp="1" noChangeAspect="1"/>
-          </p:cNvPicPr>
-          <p:nvPr>
-            <p:ph idx="1"/>
-          </p:nvPr>
-        </p:nvPicPr>
-        <p:blipFill>
-          <a:blip r:embed="rId2">
-            <a:extLst>
-              <a:ext uri="{28A0092B-C50C-407E-A947-70E740481C1C}">
-                <a14:useLocalDpi xmlns:a14="http://schemas.microsoft.com/office/drawing/2010/main" val="0"/>
-              </a:ext>
-            </a:extLst>
-          </a:blip>
-          <a:stretch>
-            <a:fillRect/>
-          </a:stretch>
-        </p:blipFill>
-        <p:spPr>
-          <a:xfrm>
-            <a:off x="-1" y="91439"/>
-            <a:ext cx="7390015" cy="6234545"/>
-          </a:xfrm>
-        </p:spPr>
-      </p:pic>
-    </p:spTree>
-    <p:extLst>
-      <p:ext uri="{BB962C8B-B14F-4D97-AF65-F5344CB8AC3E}">
-        <p14:creationId xmlns:p14="http://schemas.microsoft.com/office/powerpoint/2010/main" val="3002223864"/>
-      </p:ext>
-    </p:extLst>
-  </p:cSld>
-  <p:clrMapOvr>
-    <a:masterClrMapping/>
-  </p:clrMapOvr>
-</p:sld>
-</file>
-
-<file path=ppt/slides/slide14.xml><?xml version="1.0" encoding="utf-8"?>
-<p:sld xmlns:a="http://schemas.openxmlformats.org/drawingml/2006/main" xmlns:r="http://schemas.openxmlformats.org/officeDocument/2006/relationships" xmlns:p="http://schemas.openxmlformats.org/presentationml/2006/main">
-  <p:cSld>
-    <p:spTree>
-      <p:nvGrpSpPr>
-        <p:cNvPr id="1" name=""/>
-        <p:cNvGrpSpPr/>
-        <p:nvPr/>
-      </p:nvGrpSpPr>
-      <p:grpSpPr>
-        <a:xfrm>
-          <a:off x="0" y="0"/>
-          <a:ext cx="0" cy="0"/>
-          <a:chOff x="0" y="0"/>
-          <a:chExt cx="0" cy="0"/>
-        </a:xfrm>
-      </p:grpSpPr>
-      <p:pic>
-        <p:nvPicPr>
-          <p:cNvPr id="4" name="內容版面配置區 3"/>
-          <p:cNvPicPr>
-            <a:picLocks noGrp="1" noChangeAspect="1"/>
-          </p:cNvPicPr>
-          <p:nvPr>
-            <p:ph idx="1"/>
-          </p:nvPr>
-        </p:nvPicPr>
-        <p:blipFill>
-          <a:blip r:embed="rId2">
-            <a:extLst>
-              <a:ext uri="{28A0092B-C50C-407E-A947-70E740481C1C}">
-                <a14:useLocalDpi xmlns:a14="http://schemas.microsoft.com/office/drawing/2010/main" val="0"/>
-              </a:ext>
-            </a:extLst>
-          </a:blip>
-          <a:stretch>
-            <a:fillRect/>
-          </a:stretch>
-        </p:blipFill>
-        <p:spPr>
-          <a:xfrm>
-            <a:off x="0" y="0"/>
-            <a:ext cx="6668714" cy="6914944"/>
-          </a:xfrm>
-        </p:spPr>
-      </p:pic>
-    </p:spTree>
-    <p:extLst>
-      <p:ext uri="{BB962C8B-B14F-4D97-AF65-F5344CB8AC3E}">
-        <p14:creationId xmlns:p14="http://schemas.microsoft.com/office/powerpoint/2010/main" val="1751678575"/>
-      </p:ext>
-    </p:extLst>
-  </p:cSld>
-  <p:clrMapOvr>
-    <a:masterClrMapping/>
-  </p:clrMapOvr>
-</p:sld>
-</file>
-
-<file path=ppt/slides/slide15.xml><?xml version="1.0" encoding="utf-8"?>
-<p:sld xmlns:a="http://schemas.openxmlformats.org/drawingml/2006/main" xmlns:r="http://schemas.openxmlformats.org/officeDocument/2006/relationships" xmlns:p="http://schemas.openxmlformats.org/presentationml/2006/main">
-  <p:cSld>
-    <p:spTree>
-      <p:nvGrpSpPr>
-        <p:cNvPr id="1" name=""/>
-        <p:cNvGrpSpPr/>
-        <p:nvPr/>
-      </p:nvGrpSpPr>
-      <p:grpSpPr>
-        <a:xfrm>
-          <a:off x="0" y="0"/>
-          <a:ext cx="0" cy="0"/>
-          <a:chOff x="0" y="0"/>
-          <a:chExt cx="0" cy="0"/>
-        </a:xfrm>
-      </p:grpSpPr>
-      <p:pic>
-        <p:nvPicPr>
-          <p:cNvPr id="4" name="內容版面配置區 3"/>
-          <p:cNvPicPr>
-            <a:picLocks noGrp="1" noChangeAspect="1"/>
-          </p:cNvPicPr>
-          <p:nvPr>
-            <p:ph idx="1"/>
-          </p:nvPr>
-        </p:nvPicPr>
-        <p:blipFill>
-          <a:blip r:embed="rId2">
-            <a:extLst>
-              <a:ext uri="{28A0092B-C50C-407E-A947-70E740481C1C}">
-                <a14:useLocalDpi xmlns:a14="http://schemas.microsoft.com/office/drawing/2010/main" val="0"/>
-              </a:ext>
-            </a:extLst>
-          </a:blip>
-          <a:stretch>
-            <a:fillRect/>
-          </a:stretch>
-        </p:blipFill>
-        <p:spPr>
-          <a:xfrm>
-            <a:off x="-1" y="-1"/>
-            <a:ext cx="6758247" cy="6483927"/>
-          </a:xfrm>
-        </p:spPr>
-      </p:pic>
-    </p:spTree>
-    <p:extLst>
-      <p:ext uri="{BB962C8B-B14F-4D97-AF65-F5344CB8AC3E}">
-        <p14:creationId xmlns:p14="http://schemas.microsoft.com/office/powerpoint/2010/main" val="1185887459"/>
-      </p:ext>
-    </p:extLst>
-  </p:cSld>
-  <p:clrMapOvr>
-    <a:masterClrMapping/>
-  </p:clrMapOvr>
-</p:sld>
-</file>
-
-<file path=ppt/slides/slide16.xml><?xml version="1.0" encoding="utf-8"?>
-<p:sld xmlns:a="http://schemas.openxmlformats.org/drawingml/2006/main" xmlns:r="http://schemas.openxmlformats.org/officeDocument/2006/relationships" xmlns:p="http://schemas.openxmlformats.org/presentationml/2006/main">
-  <p:cSld>
-    <p:spTree>
-      <p:nvGrpSpPr>
-        <p:cNvPr id="1" name=""/>
-        <p:cNvGrpSpPr/>
-        <p:nvPr/>
-      </p:nvGrpSpPr>
-      <p:grpSpPr>
-        <a:xfrm>
-          <a:off x="0" y="0"/>
-          <a:ext cx="0" cy="0"/>
-          <a:chOff x="0" y="0"/>
-          <a:chExt cx="0" cy="0"/>
-        </a:xfrm>
-      </p:grpSpPr>
-      <p:pic>
-        <p:nvPicPr>
-          <p:cNvPr id="4" name="內容版面配置區 3"/>
-          <p:cNvPicPr>
-            <a:picLocks noGrp="1" noChangeAspect="1"/>
-          </p:cNvPicPr>
-          <p:nvPr>
-            <p:ph idx="1"/>
-          </p:nvPr>
-        </p:nvPicPr>
-        <p:blipFill>
-          <a:blip r:embed="rId2">
-            <a:extLst>
-              <a:ext uri="{28A0092B-C50C-407E-A947-70E740481C1C}">
-                <a14:useLocalDpi xmlns:a14="http://schemas.microsoft.com/office/drawing/2010/main" val="0"/>
-              </a:ext>
-            </a:extLst>
-          </a:blip>
-          <a:stretch>
-            <a:fillRect/>
-          </a:stretch>
-        </p:blipFill>
-        <p:spPr>
-          <a:xfrm>
-            <a:off x="74815" y="141317"/>
-            <a:ext cx="6224394" cy="6206230"/>
-          </a:xfrm>
-        </p:spPr>
-      </p:pic>
-    </p:spTree>
-    <p:extLst>
-      <p:ext uri="{BB962C8B-B14F-4D97-AF65-F5344CB8AC3E}">
-        <p14:creationId xmlns:p14="http://schemas.microsoft.com/office/powerpoint/2010/main" val="1377011152"/>
-      </p:ext>
-    </p:extLst>
-  </p:cSld>
-  <p:clrMapOvr>
-    <a:masterClrMapping/>
-  </p:clrMapOvr>
-</p:sld>
-</file>
-
-<file path=ppt/slides/slide17.xml><?xml version="1.0" encoding="utf-8"?>
-<p:sld xmlns:a="http://schemas.openxmlformats.org/drawingml/2006/main" xmlns:r="http://schemas.openxmlformats.org/officeDocument/2006/relationships" xmlns:p="http://schemas.openxmlformats.org/presentationml/2006/main">
-  <p:cSld>
-    <p:spTree>
-      <p:nvGrpSpPr>
-        <p:cNvPr id="1" name=""/>
-        <p:cNvGrpSpPr/>
-        <p:nvPr/>
-      </p:nvGrpSpPr>
-      <p:grpSpPr>
-        <a:xfrm>
-          <a:off x="0" y="0"/>
-          <a:ext cx="0" cy="0"/>
-          <a:chOff x="0" y="0"/>
-          <a:chExt cx="0" cy="0"/>
-        </a:xfrm>
-      </p:grpSpPr>
-      <p:pic>
-        <p:nvPicPr>
-          <p:cNvPr id="4" name="內容版面配置區 3"/>
-          <p:cNvPicPr>
-            <a:picLocks noGrp="1" noChangeAspect="1"/>
-          </p:cNvPicPr>
-          <p:nvPr>
-            <p:ph idx="1"/>
-          </p:nvPr>
-        </p:nvPicPr>
-        <p:blipFill>
-          <a:blip r:embed="rId2">
-            <a:extLst>
-              <a:ext uri="{28A0092B-C50C-407E-A947-70E740481C1C}">
-                <a14:useLocalDpi xmlns:a14="http://schemas.microsoft.com/office/drawing/2010/main" val="0"/>
-              </a:ext>
-            </a:extLst>
-          </a:blip>
-          <a:stretch>
-            <a:fillRect/>
-          </a:stretch>
-        </p:blipFill>
-        <p:spPr>
-          <a:xfrm>
-            <a:off x="0" y="85775"/>
-            <a:ext cx="5953816" cy="6367190"/>
-          </a:xfrm>
-        </p:spPr>
-      </p:pic>
-    </p:spTree>
-    <p:extLst>
-      <p:ext uri="{BB962C8B-B14F-4D97-AF65-F5344CB8AC3E}">
-        <p14:creationId xmlns:p14="http://schemas.microsoft.com/office/powerpoint/2010/main" val="3991916329"/>
-      </p:ext>
-    </p:extLst>
-  </p:cSld>
-  <p:clrMapOvr>
-    <a:masterClrMapping/>
-  </p:clrMapOvr>
-</p:sld>
-</file>
-
-<file path=ppt/slides/slide18.xml><?xml version="1.0" encoding="utf-8"?>
-<p:sld xmlns:a="http://schemas.openxmlformats.org/drawingml/2006/main" xmlns:r="http://schemas.openxmlformats.org/officeDocument/2006/relationships" xmlns:p="http://schemas.openxmlformats.org/presentationml/2006/main">
-  <p:cSld>
-    <p:spTree>
-      <p:nvGrpSpPr>
-        <p:cNvPr id="1" name=""/>
-        <p:cNvGrpSpPr/>
-        <p:nvPr/>
-      </p:nvGrpSpPr>
-      <p:grpSpPr>
-        <a:xfrm>
-          <a:off x="0" y="0"/>
-          <a:ext cx="0" cy="0"/>
-          <a:chOff x="0" y="0"/>
-          <a:chExt cx="0" cy="0"/>
-        </a:xfrm>
-      </p:grpSpPr>
-      <p:pic>
-        <p:nvPicPr>
-          <p:cNvPr id="4" name="內容版面配置區 3"/>
-          <p:cNvPicPr>
-            <a:picLocks noGrp="1" noChangeAspect="1"/>
-          </p:cNvPicPr>
-          <p:nvPr>
-            <p:ph idx="1"/>
-          </p:nvPr>
-        </p:nvPicPr>
-        <p:blipFill>
-          <a:blip r:embed="rId2">
-            <a:extLst>
-              <a:ext uri="{28A0092B-C50C-407E-A947-70E740481C1C}">
-                <a14:useLocalDpi xmlns:a14="http://schemas.microsoft.com/office/drawing/2010/main" val="0"/>
-              </a:ext>
-            </a:extLst>
-          </a:blip>
-          <a:stretch>
-            <a:fillRect/>
-          </a:stretch>
-        </p:blipFill>
-        <p:spPr>
-          <a:xfrm>
-            <a:off x="102499" y="157942"/>
-            <a:ext cx="7789942" cy="3845416"/>
-          </a:xfrm>
-        </p:spPr>
-      </p:pic>
-    </p:spTree>
-    <p:extLst>
-      <p:ext uri="{BB962C8B-B14F-4D97-AF65-F5344CB8AC3E}">
-        <p14:creationId xmlns:p14="http://schemas.microsoft.com/office/powerpoint/2010/main" val="1292354390"/>
-      </p:ext>
-    </p:extLst>
-  </p:cSld>
-  <p:clrMapOvr>
-    <a:masterClrMapping/>
-  </p:clrMapOvr>
-</p:sld>
-</file>
-
-<file path=ppt/slides/slide19.xml><?xml version="1.0" encoding="utf-8"?>
-<p:sld xmlns:a="http://schemas.openxmlformats.org/drawingml/2006/main" xmlns:r="http://schemas.openxmlformats.org/officeDocument/2006/relationships" xmlns:p="http://schemas.openxmlformats.org/presentationml/2006/main">
-  <p:cSld>
-    <p:spTree>
-      <p:nvGrpSpPr>
-        <p:cNvPr id="1" name=""/>
-        <p:cNvGrpSpPr/>
-        <p:nvPr/>
-      </p:nvGrpSpPr>
-      <p:grpSpPr>
-        <a:xfrm>
-          <a:off x="0" y="0"/>
-          <a:ext cx="0" cy="0"/>
-          <a:chOff x="0" y="0"/>
-          <a:chExt cx="0" cy="0"/>
-        </a:xfrm>
-      </p:grpSpPr>
-      <p:pic>
-        <p:nvPicPr>
-          <p:cNvPr id="4" name="內容版面配置區 3"/>
-          <p:cNvPicPr>
-            <a:picLocks noGrp="1" noChangeAspect="1"/>
-          </p:cNvPicPr>
-          <p:nvPr>
-            <p:ph idx="1"/>
-          </p:nvPr>
-        </p:nvPicPr>
-        <p:blipFill>
-          <a:blip r:embed="rId2">
-            <a:extLst>
-              <a:ext uri="{28A0092B-C50C-407E-A947-70E740481C1C}">
-                <a14:useLocalDpi xmlns:a14="http://schemas.microsoft.com/office/drawing/2010/main" val="0"/>
-              </a:ext>
-            </a:extLst>
-          </a:blip>
-          <a:stretch>
-            <a:fillRect/>
-          </a:stretch>
-        </p:blipFill>
-        <p:spPr>
-          <a:xfrm>
-            <a:off x="282292" y="216131"/>
-            <a:ext cx="5867564" cy="5491336"/>
-          </a:xfrm>
-        </p:spPr>
-      </p:pic>
-    </p:spTree>
-    <p:extLst>
-      <p:ext uri="{BB962C8B-B14F-4D97-AF65-F5344CB8AC3E}">
-        <p14:creationId xmlns:p14="http://schemas.microsoft.com/office/powerpoint/2010/main" val="1480095992"/>
-      </p:ext>
-    </p:extLst>
-  </p:cSld>
-  <p:clrMapOvr>
-    <a:masterClrMapping/>
-  </p:clrMapOvr>
-</p:sld>
-</file>
-
 <file path=ppt/slides/slide2.xml><?xml version="1.0" encoding="utf-8"?>
 <p:sld xmlns:a="http://schemas.openxmlformats.org/drawingml/2006/main" xmlns:r="http://schemas.openxmlformats.org/officeDocument/2006/relationships" xmlns:p="http://schemas.openxmlformats.org/presentationml/2006/main">
   <p:cSld>
@@ -6743,124 +6142,6 @@
     <p:extLst>
       <p:ext uri="{BB962C8B-B14F-4D97-AF65-F5344CB8AC3E}">
         <p14:creationId xmlns:p14="http://schemas.microsoft.com/office/powerpoint/2010/main" val="216782054"/>
-      </p:ext>
-    </p:extLst>
-  </p:cSld>
-  <p:clrMapOvr>
-    <a:masterClrMapping/>
-  </p:clrMapOvr>
-</p:sld>
-</file>
-
-<file path=ppt/slides/slide20.xml><?xml version="1.0" encoding="utf-8"?>
-<p:sld xmlns:a="http://schemas.openxmlformats.org/drawingml/2006/main" xmlns:r="http://schemas.openxmlformats.org/officeDocument/2006/relationships" xmlns:p="http://schemas.openxmlformats.org/presentationml/2006/main">
-  <p:cSld>
-    <p:spTree>
-      <p:nvGrpSpPr>
-        <p:cNvPr id="1" name=""/>
-        <p:cNvGrpSpPr/>
-        <p:nvPr/>
-      </p:nvGrpSpPr>
-      <p:grpSpPr>
-        <a:xfrm>
-          <a:off x="0" y="0"/>
-          <a:ext cx="0" cy="0"/>
-          <a:chOff x="0" y="0"/>
-          <a:chExt cx="0" cy="0"/>
-        </a:xfrm>
-      </p:grpSpPr>
-      <p:pic>
-        <p:nvPicPr>
-          <p:cNvPr id="4" name="內容版面配置區 3"/>
-          <p:cNvPicPr>
-            <a:picLocks noGrp="1" noChangeAspect="1"/>
-          </p:cNvPicPr>
-          <p:nvPr>
-            <p:ph idx="1"/>
-          </p:nvPr>
-        </p:nvPicPr>
-        <p:blipFill>
-          <a:blip r:embed="rId2">
-            <a:extLst>
-              <a:ext uri="{28A0092B-C50C-407E-A947-70E740481C1C}">
-                <a14:useLocalDpi xmlns:a14="http://schemas.microsoft.com/office/drawing/2010/main" val="0"/>
-              </a:ext>
-            </a:extLst>
-          </a:blip>
-          <a:stretch>
-            <a:fillRect/>
-          </a:stretch>
-        </p:blipFill>
-        <p:spPr>
-          <a:xfrm>
-            <a:off x="0" y="83127"/>
-            <a:ext cx="6138304" cy="6671744"/>
-          </a:xfrm>
-        </p:spPr>
-      </p:pic>
-    </p:spTree>
-    <p:extLst>
-      <p:ext uri="{BB962C8B-B14F-4D97-AF65-F5344CB8AC3E}">
-        <p14:creationId xmlns:p14="http://schemas.microsoft.com/office/powerpoint/2010/main" val="294184027"/>
-      </p:ext>
-    </p:extLst>
-  </p:cSld>
-  <p:clrMapOvr>
-    <a:masterClrMapping/>
-  </p:clrMapOvr>
-</p:sld>
-</file>
-
-<file path=ppt/slides/slide21.xml><?xml version="1.0" encoding="utf-8"?>
-<p:sld xmlns:a="http://schemas.openxmlformats.org/drawingml/2006/main" xmlns:r="http://schemas.openxmlformats.org/officeDocument/2006/relationships" xmlns:p="http://schemas.openxmlformats.org/presentationml/2006/main">
-  <p:cSld>
-    <p:spTree>
-      <p:nvGrpSpPr>
-        <p:cNvPr id="1" name=""/>
-        <p:cNvGrpSpPr/>
-        <p:nvPr/>
-      </p:nvGrpSpPr>
-      <p:grpSpPr>
-        <a:xfrm>
-          <a:off x="0" y="0"/>
-          <a:ext cx="0" cy="0"/>
-          <a:chOff x="0" y="0"/>
-          <a:chExt cx="0" cy="0"/>
-        </a:xfrm>
-      </p:grpSpPr>
-      <p:pic>
-        <p:nvPicPr>
-          <p:cNvPr id="4" name="內容版面配置區 3"/>
-          <p:cNvPicPr>
-            <a:picLocks noGrp="1" noChangeAspect="1"/>
-          </p:cNvPicPr>
-          <p:nvPr>
-            <p:ph idx="1"/>
-          </p:nvPr>
-        </p:nvPicPr>
-        <p:blipFill>
-          <a:blip r:embed="rId2">
-            <a:extLst>
-              <a:ext uri="{28A0092B-C50C-407E-A947-70E740481C1C}">
-                <a14:useLocalDpi xmlns:a14="http://schemas.microsoft.com/office/drawing/2010/main" val="0"/>
-              </a:ext>
-            </a:extLst>
-          </a:blip>
-          <a:stretch>
-            <a:fillRect/>
-          </a:stretch>
-        </p:blipFill>
-        <p:spPr>
-          <a:xfrm>
-            <a:off x="134000" y="623454"/>
-            <a:ext cx="8874096" cy="5574464"/>
-          </a:xfrm>
-        </p:spPr>
-      </p:pic>
-    </p:spTree>
-    <p:extLst>
-      <p:ext uri="{BB962C8B-B14F-4D97-AF65-F5344CB8AC3E}">
-        <p14:creationId xmlns:p14="http://schemas.microsoft.com/office/powerpoint/2010/main" val="2640190770"/>
       </p:ext>
     </p:extLst>
   </p:cSld>
@@ -7038,242 +6319,6 @@
     <p:extLst>
       <p:ext uri="{BB962C8B-B14F-4D97-AF65-F5344CB8AC3E}">
         <p14:creationId xmlns:p14="http://schemas.microsoft.com/office/powerpoint/2010/main" val="1617567762"/>
-      </p:ext>
-    </p:extLst>
-  </p:cSld>
-  <p:clrMapOvr>
-    <a:masterClrMapping/>
-  </p:clrMapOvr>
-</p:sld>
-</file>
-
-<file path=ppt/slides/slide6.xml><?xml version="1.0" encoding="utf-8"?>
-<p:sld xmlns:a="http://schemas.openxmlformats.org/drawingml/2006/main" xmlns:r="http://schemas.openxmlformats.org/officeDocument/2006/relationships" xmlns:p="http://schemas.openxmlformats.org/presentationml/2006/main">
-  <p:cSld>
-    <p:spTree>
-      <p:nvGrpSpPr>
-        <p:cNvPr id="1" name=""/>
-        <p:cNvGrpSpPr/>
-        <p:nvPr/>
-      </p:nvGrpSpPr>
-      <p:grpSpPr>
-        <a:xfrm>
-          <a:off x="0" y="0"/>
-          <a:ext cx="0" cy="0"/>
-          <a:chOff x="0" y="0"/>
-          <a:chExt cx="0" cy="0"/>
-        </a:xfrm>
-      </p:grpSpPr>
-      <p:pic>
-        <p:nvPicPr>
-          <p:cNvPr id="4" name="內容版面配置區 3"/>
-          <p:cNvPicPr>
-            <a:picLocks noGrp="1" noChangeAspect="1"/>
-          </p:cNvPicPr>
-          <p:nvPr>
-            <p:ph idx="1"/>
-          </p:nvPr>
-        </p:nvPicPr>
-        <p:blipFill>
-          <a:blip r:embed="rId2">
-            <a:extLst>
-              <a:ext uri="{28A0092B-C50C-407E-A947-70E740481C1C}">
-                <a14:useLocalDpi xmlns:a14="http://schemas.microsoft.com/office/drawing/2010/main" val="0"/>
-              </a:ext>
-            </a:extLst>
-          </a:blip>
-          <a:stretch>
-            <a:fillRect/>
-          </a:stretch>
-        </p:blipFill>
-        <p:spPr>
-          <a:xfrm>
-            <a:off x="0" y="129625"/>
-            <a:ext cx="9111520" cy="5348462"/>
-          </a:xfrm>
-        </p:spPr>
-      </p:pic>
-    </p:spTree>
-    <p:extLst>
-      <p:ext uri="{BB962C8B-B14F-4D97-AF65-F5344CB8AC3E}">
-        <p14:creationId xmlns:p14="http://schemas.microsoft.com/office/powerpoint/2010/main" val="424044381"/>
-      </p:ext>
-    </p:extLst>
-  </p:cSld>
-  <p:clrMapOvr>
-    <a:masterClrMapping/>
-  </p:clrMapOvr>
-</p:sld>
-</file>
-
-<file path=ppt/slides/slide7.xml><?xml version="1.0" encoding="utf-8"?>
-<p:sld xmlns:a="http://schemas.openxmlformats.org/drawingml/2006/main" xmlns:r="http://schemas.openxmlformats.org/officeDocument/2006/relationships" xmlns:p="http://schemas.openxmlformats.org/presentationml/2006/main">
-  <p:cSld>
-    <p:spTree>
-      <p:nvGrpSpPr>
-        <p:cNvPr id="1" name=""/>
-        <p:cNvGrpSpPr/>
-        <p:nvPr/>
-      </p:nvGrpSpPr>
-      <p:grpSpPr>
-        <a:xfrm>
-          <a:off x="0" y="0"/>
-          <a:ext cx="0" cy="0"/>
-          <a:chOff x="0" y="0"/>
-          <a:chExt cx="0" cy="0"/>
-        </a:xfrm>
-      </p:grpSpPr>
-      <p:pic>
-        <p:nvPicPr>
-          <p:cNvPr id="4" name="內容版面配置區 3"/>
-          <p:cNvPicPr>
-            <a:picLocks noGrp="1" noChangeAspect="1"/>
-          </p:cNvPicPr>
-          <p:nvPr>
-            <p:ph idx="1"/>
-          </p:nvPr>
-        </p:nvPicPr>
-        <p:blipFill>
-          <a:blip r:embed="rId2">
-            <a:extLst>
-              <a:ext uri="{28A0092B-C50C-407E-A947-70E740481C1C}">
-                <a14:useLocalDpi xmlns:a14="http://schemas.microsoft.com/office/drawing/2010/main" val="0"/>
-              </a:ext>
-            </a:extLst>
-          </a:blip>
-          <a:stretch>
-            <a:fillRect/>
-          </a:stretch>
-        </p:blipFill>
-        <p:spPr>
-          <a:xfrm>
-            <a:off x="80403" y="211194"/>
-            <a:ext cx="7135864" cy="5458086"/>
-          </a:xfrm>
-        </p:spPr>
-      </p:pic>
-    </p:spTree>
-    <p:extLst>
-      <p:ext uri="{BB962C8B-B14F-4D97-AF65-F5344CB8AC3E}">
-        <p14:creationId xmlns:p14="http://schemas.microsoft.com/office/powerpoint/2010/main" val="2153957055"/>
-      </p:ext>
-    </p:extLst>
-  </p:cSld>
-  <p:clrMapOvr>
-    <a:masterClrMapping/>
-  </p:clrMapOvr>
-</p:sld>
-</file>
-
-<file path=ppt/slides/slide8.xml><?xml version="1.0" encoding="utf-8"?>
-<p:sld xmlns:a="http://schemas.openxmlformats.org/drawingml/2006/main" xmlns:r="http://schemas.openxmlformats.org/officeDocument/2006/relationships" xmlns:p="http://schemas.openxmlformats.org/presentationml/2006/main">
-  <p:cSld>
-    <p:spTree>
-      <p:nvGrpSpPr>
-        <p:cNvPr id="1" name=""/>
-        <p:cNvGrpSpPr/>
-        <p:nvPr/>
-      </p:nvGrpSpPr>
-      <p:grpSpPr>
-        <a:xfrm>
-          <a:off x="0" y="0"/>
-          <a:ext cx="0" cy="0"/>
-          <a:chOff x="0" y="0"/>
-          <a:chExt cx="0" cy="0"/>
-        </a:xfrm>
-      </p:grpSpPr>
-      <p:pic>
-        <p:nvPicPr>
-          <p:cNvPr id="4" name="內容版面配置區 3"/>
-          <p:cNvPicPr>
-            <a:picLocks noGrp="1" noChangeAspect="1"/>
-          </p:cNvPicPr>
-          <p:nvPr>
-            <p:ph idx="1"/>
-          </p:nvPr>
-        </p:nvPicPr>
-        <p:blipFill>
-          <a:blip r:embed="rId2">
-            <a:extLst>
-              <a:ext uri="{28A0092B-C50C-407E-A947-70E740481C1C}">
-                <a14:useLocalDpi xmlns:a14="http://schemas.microsoft.com/office/drawing/2010/main" val="0"/>
-              </a:ext>
-            </a:extLst>
-          </a:blip>
-          <a:stretch>
-            <a:fillRect/>
-          </a:stretch>
-        </p:blipFill>
-        <p:spPr>
-          <a:xfrm>
-            <a:off x="156037" y="198450"/>
-            <a:ext cx="7516610" cy="6623976"/>
-          </a:xfrm>
-        </p:spPr>
-      </p:pic>
-    </p:spTree>
-    <p:extLst>
-      <p:ext uri="{BB962C8B-B14F-4D97-AF65-F5344CB8AC3E}">
-        <p14:creationId xmlns:p14="http://schemas.microsoft.com/office/powerpoint/2010/main" val="784311097"/>
-      </p:ext>
-    </p:extLst>
-  </p:cSld>
-  <p:clrMapOvr>
-    <a:masterClrMapping/>
-  </p:clrMapOvr>
-</p:sld>
-</file>
-
-<file path=ppt/slides/slide9.xml><?xml version="1.0" encoding="utf-8"?>
-<p:sld xmlns:a="http://schemas.openxmlformats.org/drawingml/2006/main" xmlns:r="http://schemas.openxmlformats.org/officeDocument/2006/relationships" xmlns:p="http://schemas.openxmlformats.org/presentationml/2006/main">
-  <p:cSld>
-    <p:spTree>
-      <p:nvGrpSpPr>
-        <p:cNvPr id="1" name=""/>
-        <p:cNvGrpSpPr/>
-        <p:nvPr/>
-      </p:nvGrpSpPr>
-      <p:grpSpPr>
-        <a:xfrm>
-          <a:off x="0" y="0"/>
-          <a:ext cx="0" cy="0"/>
-          <a:chOff x="0" y="0"/>
-          <a:chExt cx="0" cy="0"/>
-        </a:xfrm>
-      </p:grpSpPr>
-      <p:pic>
-        <p:nvPicPr>
-          <p:cNvPr id="4" name="內容版面配置區 3"/>
-          <p:cNvPicPr>
-            <a:picLocks noGrp="1" noChangeAspect="1"/>
-          </p:cNvPicPr>
-          <p:nvPr>
-            <p:ph idx="1"/>
-          </p:nvPr>
-        </p:nvPicPr>
-        <p:blipFill>
-          <a:blip r:embed="rId2">
-            <a:extLst>
-              <a:ext uri="{28A0092B-C50C-407E-A947-70E740481C1C}">
-                <a14:useLocalDpi xmlns:a14="http://schemas.microsoft.com/office/drawing/2010/main" val="0"/>
-              </a:ext>
-            </a:extLst>
-          </a:blip>
-          <a:stretch>
-            <a:fillRect/>
-          </a:stretch>
-        </p:blipFill>
-        <p:spPr>
-          <a:xfrm>
-            <a:off x="90838" y="66502"/>
-            <a:ext cx="9832920" cy="6588618"/>
-          </a:xfrm>
-        </p:spPr>
-      </p:pic>
-    </p:spTree>
-    <p:extLst>
-      <p:ext uri="{BB962C8B-B14F-4D97-AF65-F5344CB8AC3E}">
-        <p14:creationId xmlns:p14="http://schemas.microsoft.com/office/powerpoint/2010/main" val="3107082740"/>
       </p:ext>
     </p:extLst>
   </p:cSld>

--- a/homwork window command.pptx
+++ b/homwork window command.pptx
@@ -10,6 +10,22 @@
     <p:sldId id="258" r:id="rId4"/>
     <p:sldId id="259" r:id="rId5"/>
     <p:sldId id="260" r:id="rId6"/>
+    <p:sldId id="261" r:id="rId7"/>
+    <p:sldId id="262" r:id="rId8"/>
+    <p:sldId id="263" r:id="rId9"/>
+    <p:sldId id="264" r:id="rId10"/>
+    <p:sldId id="265" r:id="rId11"/>
+    <p:sldId id="266" r:id="rId12"/>
+    <p:sldId id="267" r:id="rId13"/>
+    <p:sldId id="268" r:id="rId14"/>
+    <p:sldId id="269" r:id="rId15"/>
+    <p:sldId id="270" r:id="rId16"/>
+    <p:sldId id="271" r:id="rId17"/>
+    <p:sldId id="272" r:id="rId18"/>
+    <p:sldId id="273" r:id="rId19"/>
+    <p:sldId id="274" r:id="rId20"/>
+    <p:sldId id="275" r:id="rId21"/>
+    <p:sldId id="276" r:id="rId22"/>
   </p:sldIdLst>
   <p:sldSz cx="12192000" cy="6858000"/>
   <p:notesSz cx="6858000" cy="9144000"/>
@@ -6092,6 +6108,596 @@
 </p:sld>
 </file>
 
+<file path=ppt/slides/slide10.xml><?xml version="1.0" encoding="utf-8"?>
+<p:sld xmlns:a="http://schemas.openxmlformats.org/drawingml/2006/main" xmlns:r="http://schemas.openxmlformats.org/officeDocument/2006/relationships" xmlns:p="http://schemas.openxmlformats.org/presentationml/2006/main">
+  <p:cSld>
+    <p:spTree>
+      <p:nvGrpSpPr>
+        <p:cNvPr id="1" name=""/>
+        <p:cNvGrpSpPr/>
+        <p:nvPr/>
+      </p:nvGrpSpPr>
+      <p:grpSpPr>
+        <a:xfrm>
+          <a:off x="0" y="0"/>
+          <a:ext cx="0" cy="0"/>
+          <a:chOff x="0" y="0"/>
+          <a:chExt cx="0" cy="0"/>
+        </a:xfrm>
+      </p:grpSpPr>
+      <p:pic>
+        <p:nvPicPr>
+          <p:cNvPr id="4" name="內容版面配置區 3"/>
+          <p:cNvPicPr>
+            <a:picLocks noGrp="1" noChangeAspect="1"/>
+          </p:cNvPicPr>
+          <p:nvPr>
+            <p:ph idx="1"/>
+          </p:nvPr>
+        </p:nvPicPr>
+        <p:blipFill>
+          <a:blip r:embed="rId2">
+            <a:extLst>
+              <a:ext uri="{28A0092B-C50C-407E-A947-70E740481C1C}">
+                <a14:useLocalDpi xmlns:a14="http://schemas.microsoft.com/office/drawing/2010/main" val="0"/>
+              </a:ext>
+            </a:extLst>
+          </a:blip>
+          <a:stretch>
+            <a:fillRect/>
+          </a:stretch>
+        </p:blipFill>
+        <p:spPr>
+          <a:xfrm>
+            <a:off x="0" y="83127"/>
+            <a:ext cx="6138304" cy="6671744"/>
+          </a:xfrm>
+        </p:spPr>
+      </p:pic>
+    </p:spTree>
+    <p:extLst>
+      <p:ext uri="{BB962C8B-B14F-4D97-AF65-F5344CB8AC3E}">
+        <p14:creationId xmlns:p14="http://schemas.microsoft.com/office/powerpoint/2010/main" val="431403965"/>
+      </p:ext>
+    </p:extLst>
+  </p:cSld>
+  <p:clrMapOvr>
+    <a:masterClrMapping/>
+  </p:clrMapOvr>
+</p:sld>
+</file>
+
+<file path=ppt/slides/slide11.xml><?xml version="1.0" encoding="utf-8"?>
+<p:sld xmlns:a="http://schemas.openxmlformats.org/drawingml/2006/main" xmlns:r="http://schemas.openxmlformats.org/officeDocument/2006/relationships" xmlns:p="http://schemas.openxmlformats.org/presentationml/2006/main">
+  <p:cSld>
+    <p:spTree>
+      <p:nvGrpSpPr>
+        <p:cNvPr id="1" name=""/>
+        <p:cNvGrpSpPr/>
+        <p:nvPr/>
+      </p:nvGrpSpPr>
+      <p:grpSpPr>
+        <a:xfrm>
+          <a:off x="0" y="0"/>
+          <a:ext cx="0" cy="0"/>
+          <a:chOff x="0" y="0"/>
+          <a:chExt cx="0" cy="0"/>
+        </a:xfrm>
+      </p:grpSpPr>
+      <p:pic>
+        <p:nvPicPr>
+          <p:cNvPr id="4" name="內容版面配置區 3"/>
+          <p:cNvPicPr>
+            <a:picLocks noGrp="1" noChangeAspect="1"/>
+          </p:cNvPicPr>
+          <p:nvPr>
+            <p:ph idx="1"/>
+          </p:nvPr>
+        </p:nvPicPr>
+        <p:blipFill>
+          <a:blip r:embed="rId2">
+            <a:extLst>
+              <a:ext uri="{28A0092B-C50C-407E-A947-70E740481C1C}">
+                <a14:useLocalDpi xmlns:a14="http://schemas.microsoft.com/office/drawing/2010/main" val="0"/>
+              </a:ext>
+            </a:extLst>
+          </a:blip>
+          <a:stretch>
+            <a:fillRect/>
+          </a:stretch>
+        </p:blipFill>
+        <p:spPr>
+          <a:xfrm>
+            <a:off x="134000" y="623454"/>
+            <a:ext cx="8874096" cy="5574464"/>
+          </a:xfrm>
+        </p:spPr>
+      </p:pic>
+    </p:spTree>
+    <p:extLst>
+      <p:ext uri="{BB962C8B-B14F-4D97-AF65-F5344CB8AC3E}">
+        <p14:creationId xmlns:p14="http://schemas.microsoft.com/office/powerpoint/2010/main" val="450206869"/>
+      </p:ext>
+    </p:extLst>
+  </p:cSld>
+  <p:clrMapOvr>
+    <a:masterClrMapping/>
+  </p:clrMapOvr>
+</p:sld>
+</file>
+
+<file path=ppt/slides/slide12.xml><?xml version="1.0" encoding="utf-8"?>
+<p:sld xmlns:a="http://schemas.openxmlformats.org/drawingml/2006/main" xmlns:r="http://schemas.openxmlformats.org/officeDocument/2006/relationships" xmlns:p="http://schemas.openxmlformats.org/presentationml/2006/main">
+  <p:cSld>
+    <p:spTree>
+      <p:nvGrpSpPr>
+        <p:cNvPr id="1" name=""/>
+        <p:cNvGrpSpPr/>
+        <p:nvPr/>
+      </p:nvGrpSpPr>
+      <p:grpSpPr>
+        <a:xfrm>
+          <a:off x="0" y="0"/>
+          <a:ext cx="0" cy="0"/>
+          <a:chOff x="0" y="0"/>
+          <a:chExt cx="0" cy="0"/>
+        </a:xfrm>
+      </p:grpSpPr>
+      <p:pic>
+        <p:nvPicPr>
+          <p:cNvPr id="4" name="內容版面配置區 3"/>
+          <p:cNvPicPr>
+            <a:picLocks noGrp="1" noChangeAspect="1"/>
+          </p:cNvPicPr>
+          <p:nvPr>
+            <p:ph idx="1"/>
+          </p:nvPr>
+        </p:nvPicPr>
+        <p:blipFill>
+          <a:blip r:embed="rId2">
+            <a:extLst>
+              <a:ext uri="{28A0092B-C50C-407E-A947-70E740481C1C}">
+                <a14:useLocalDpi xmlns:a14="http://schemas.microsoft.com/office/drawing/2010/main" val="0"/>
+              </a:ext>
+            </a:extLst>
+          </a:blip>
+          <a:stretch>
+            <a:fillRect/>
+          </a:stretch>
+        </p:blipFill>
+        <p:spPr>
+          <a:xfrm>
+            <a:off x="0" y="129625"/>
+            <a:ext cx="9111520" cy="5348462"/>
+          </a:xfrm>
+        </p:spPr>
+      </p:pic>
+    </p:spTree>
+    <p:extLst>
+      <p:ext uri="{BB962C8B-B14F-4D97-AF65-F5344CB8AC3E}">
+        <p14:creationId xmlns:p14="http://schemas.microsoft.com/office/powerpoint/2010/main" val="1921762942"/>
+      </p:ext>
+    </p:extLst>
+  </p:cSld>
+  <p:clrMapOvr>
+    <a:masterClrMapping/>
+  </p:clrMapOvr>
+</p:sld>
+</file>
+
+<file path=ppt/slides/slide13.xml><?xml version="1.0" encoding="utf-8"?>
+<p:sld xmlns:a="http://schemas.openxmlformats.org/drawingml/2006/main" xmlns:r="http://schemas.openxmlformats.org/officeDocument/2006/relationships" xmlns:p="http://schemas.openxmlformats.org/presentationml/2006/main">
+  <p:cSld>
+    <p:spTree>
+      <p:nvGrpSpPr>
+        <p:cNvPr id="1" name=""/>
+        <p:cNvGrpSpPr/>
+        <p:nvPr/>
+      </p:nvGrpSpPr>
+      <p:grpSpPr>
+        <a:xfrm>
+          <a:off x="0" y="0"/>
+          <a:ext cx="0" cy="0"/>
+          <a:chOff x="0" y="0"/>
+          <a:chExt cx="0" cy="0"/>
+        </a:xfrm>
+      </p:grpSpPr>
+      <p:pic>
+        <p:nvPicPr>
+          <p:cNvPr id="4" name="內容版面配置區 3"/>
+          <p:cNvPicPr>
+            <a:picLocks noGrp="1" noChangeAspect="1"/>
+          </p:cNvPicPr>
+          <p:nvPr>
+            <p:ph idx="1"/>
+          </p:nvPr>
+        </p:nvPicPr>
+        <p:blipFill>
+          <a:blip r:embed="rId2">
+            <a:extLst>
+              <a:ext uri="{28A0092B-C50C-407E-A947-70E740481C1C}">
+                <a14:useLocalDpi xmlns:a14="http://schemas.microsoft.com/office/drawing/2010/main" val="0"/>
+              </a:ext>
+            </a:extLst>
+          </a:blip>
+          <a:stretch>
+            <a:fillRect/>
+          </a:stretch>
+        </p:blipFill>
+        <p:spPr>
+          <a:xfrm>
+            <a:off x="80403" y="211194"/>
+            <a:ext cx="7135864" cy="5458086"/>
+          </a:xfrm>
+        </p:spPr>
+      </p:pic>
+    </p:spTree>
+    <p:extLst>
+      <p:ext uri="{BB962C8B-B14F-4D97-AF65-F5344CB8AC3E}">
+        <p14:creationId xmlns:p14="http://schemas.microsoft.com/office/powerpoint/2010/main" val="4008468551"/>
+      </p:ext>
+    </p:extLst>
+  </p:cSld>
+  <p:clrMapOvr>
+    <a:masterClrMapping/>
+  </p:clrMapOvr>
+</p:sld>
+</file>
+
+<file path=ppt/slides/slide14.xml><?xml version="1.0" encoding="utf-8"?>
+<p:sld xmlns:a="http://schemas.openxmlformats.org/drawingml/2006/main" xmlns:r="http://schemas.openxmlformats.org/officeDocument/2006/relationships" xmlns:p="http://schemas.openxmlformats.org/presentationml/2006/main">
+  <p:cSld>
+    <p:spTree>
+      <p:nvGrpSpPr>
+        <p:cNvPr id="1" name=""/>
+        <p:cNvGrpSpPr/>
+        <p:nvPr/>
+      </p:nvGrpSpPr>
+      <p:grpSpPr>
+        <a:xfrm>
+          <a:off x="0" y="0"/>
+          <a:ext cx="0" cy="0"/>
+          <a:chOff x="0" y="0"/>
+          <a:chExt cx="0" cy="0"/>
+        </a:xfrm>
+      </p:grpSpPr>
+      <p:pic>
+        <p:nvPicPr>
+          <p:cNvPr id="4" name="內容版面配置區 3"/>
+          <p:cNvPicPr>
+            <a:picLocks noGrp="1" noChangeAspect="1"/>
+          </p:cNvPicPr>
+          <p:nvPr>
+            <p:ph idx="1"/>
+          </p:nvPr>
+        </p:nvPicPr>
+        <p:blipFill>
+          <a:blip r:embed="rId2">
+            <a:extLst>
+              <a:ext uri="{28A0092B-C50C-407E-A947-70E740481C1C}">
+                <a14:useLocalDpi xmlns:a14="http://schemas.microsoft.com/office/drawing/2010/main" val="0"/>
+              </a:ext>
+            </a:extLst>
+          </a:blip>
+          <a:stretch>
+            <a:fillRect/>
+          </a:stretch>
+        </p:blipFill>
+        <p:spPr>
+          <a:xfrm>
+            <a:off x="156037" y="198450"/>
+            <a:ext cx="7516610" cy="6623976"/>
+          </a:xfrm>
+        </p:spPr>
+      </p:pic>
+    </p:spTree>
+    <p:extLst>
+      <p:ext uri="{BB962C8B-B14F-4D97-AF65-F5344CB8AC3E}">
+        <p14:creationId xmlns:p14="http://schemas.microsoft.com/office/powerpoint/2010/main" val="1995510112"/>
+      </p:ext>
+    </p:extLst>
+  </p:cSld>
+  <p:clrMapOvr>
+    <a:masterClrMapping/>
+  </p:clrMapOvr>
+</p:sld>
+</file>
+
+<file path=ppt/slides/slide15.xml><?xml version="1.0" encoding="utf-8"?>
+<p:sld xmlns:a="http://schemas.openxmlformats.org/drawingml/2006/main" xmlns:r="http://schemas.openxmlformats.org/officeDocument/2006/relationships" xmlns:p="http://schemas.openxmlformats.org/presentationml/2006/main">
+  <p:cSld>
+    <p:spTree>
+      <p:nvGrpSpPr>
+        <p:cNvPr id="1" name=""/>
+        <p:cNvGrpSpPr/>
+        <p:nvPr/>
+      </p:nvGrpSpPr>
+      <p:grpSpPr>
+        <a:xfrm>
+          <a:off x="0" y="0"/>
+          <a:ext cx="0" cy="0"/>
+          <a:chOff x="0" y="0"/>
+          <a:chExt cx="0" cy="0"/>
+        </a:xfrm>
+      </p:grpSpPr>
+      <p:pic>
+        <p:nvPicPr>
+          <p:cNvPr id="4" name="內容版面配置區 3"/>
+          <p:cNvPicPr>
+            <a:picLocks noGrp="1" noChangeAspect="1"/>
+          </p:cNvPicPr>
+          <p:nvPr>
+            <p:ph idx="1"/>
+          </p:nvPr>
+        </p:nvPicPr>
+        <p:blipFill>
+          <a:blip r:embed="rId2">
+            <a:extLst>
+              <a:ext uri="{28A0092B-C50C-407E-A947-70E740481C1C}">
+                <a14:useLocalDpi xmlns:a14="http://schemas.microsoft.com/office/drawing/2010/main" val="0"/>
+              </a:ext>
+            </a:extLst>
+          </a:blip>
+          <a:stretch>
+            <a:fillRect/>
+          </a:stretch>
+        </p:blipFill>
+        <p:spPr>
+          <a:xfrm>
+            <a:off x="90838" y="66502"/>
+            <a:ext cx="9832920" cy="6588618"/>
+          </a:xfrm>
+        </p:spPr>
+      </p:pic>
+    </p:spTree>
+    <p:extLst>
+      <p:ext uri="{BB962C8B-B14F-4D97-AF65-F5344CB8AC3E}">
+        <p14:creationId xmlns:p14="http://schemas.microsoft.com/office/powerpoint/2010/main" val="3062971245"/>
+      </p:ext>
+    </p:extLst>
+  </p:cSld>
+  <p:clrMapOvr>
+    <a:masterClrMapping/>
+  </p:clrMapOvr>
+</p:sld>
+</file>
+
+<file path=ppt/slides/slide16.xml><?xml version="1.0" encoding="utf-8"?>
+<p:sld xmlns:a="http://schemas.openxmlformats.org/drawingml/2006/main" xmlns:r="http://schemas.openxmlformats.org/officeDocument/2006/relationships" xmlns:p="http://schemas.openxmlformats.org/presentationml/2006/main">
+  <p:cSld>
+    <p:spTree>
+      <p:nvGrpSpPr>
+        <p:cNvPr id="1" name=""/>
+        <p:cNvGrpSpPr/>
+        <p:nvPr/>
+      </p:nvGrpSpPr>
+      <p:grpSpPr>
+        <a:xfrm>
+          <a:off x="0" y="0"/>
+          <a:ext cx="0" cy="0"/>
+          <a:chOff x="0" y="0"/>
+          <a:chExt cx="0" cy="0"/>
+        </a:xfrm>
+      </p:grpSpPr>
+      <p:pic>
+        <p:nvPicPr>
+          <p:cNvPr id="4" name="內容版面配置區 3"/>
+          <p:cNvPicPr>
+            <a:picLocks noGrp="1" noChangeAspect="1"/>
+          </p:cNvPicPr>
+          <p:nvPr>
+            <p:ph idx="1"/>
+          </p:nvPr>
+        </p:nvPicPr>
+        <p:blipFill>
+          <a:blip r:embed="rId2">
+            <a:extLst>
+              <a:ext uri="{28A0092B-C50C-407E-A947-70E740481C1C}">
+                <a14:useLocalDpi xmlns:a14="http://schemas.microsoft.com/office/drawing/2010/main" val="0"/>
+              </a:ext>
+            </a:extLst>
+          </a:blip>
+          <a:stretch>
+            <a:fillRect/>
+          </a:stretch>
+        </p:blipFill>
+        <p:spPr>
+          <a:xfrm>
+            <a:off x="0" y="182880"/>
+            <a:ext cx="9701970" cy="6023350"/>
+          </a:xfrm>
+        </p:spPr>
+      </p:pic>
+    </p:spTree>
+    <p:extLst>
+      <p:ext uri="{BB962C8B-B14F-4D97-AF65-F5344CB8AC3E}">
+        <p14:creationId xmlns:p14="http://schemas.microsoft.com/office/powerpoint/2010/main" val="423248307"/>
+      </p:ext>
+    </p:extLst>
+  </p:cSld>
+  <p:clrMapOvr>
+    <a:masterClrMapping/>
+  </p:clrMapOvr>
+</p:sld>
+</file>
+
+<file path=ppt/slides/slide17.xml><?xml version="1.0" encoding="utf-8"?>
+<p:sld xmlns:a="http://schemas.openxmlformats.org/drawingml/2006/main" xmlns:r="http://schemas.openxmlformats.org/officeDocument/2006/relationships" xmlns:p="http://schemas.openxmlformats.org/presentationml/2006/main">
+  <p:cSld>
+    <p:spTree>
+      <p:nvGrpSpPr>
+        <p:cNvPr id="1" name=""/>
+        <p:cNvGrpSpPr/>
+        <p:nvPr/>
+      </p:nvGrpSpPr>
+      <p:grpSpPr>
+        <a:xfrm>
+          <a:off x="0" y="0"/>
+          <a:ext cx="0" cy="0"/>
+          <a:chOff x="0" y="0"/>
+          <a:chExt cx="0" cy="0"/>
+        </a:xfrm>
+      </p:grpSpPr>
+      <p:pic>
+        <p:nvPicPr>
+          <p:cNvPr id="4" name="內容版面配置區 3"/>
+          <p:cNvPicPr>
+            <a:picLocks noGrp="1" noChangeAspect="1"/>
+          </p:cNvPicPr>
+          <p:nvPr>
+            <p:ph idx="1"/>
+          </p:nvPr>
+        </p:nvPicPr>
+        <p:blipFill>
+          <a:blip r:embed="rId2">
+            <a:extLst>
+              <a:ext uri="{28A0092B-C50C-407E-A947-70E740481C1C}">
+                <a14:useLocalDpi xmlns:a14="http://schemas.microsoft.com/office/drawing/2010/main" val="0"/>
+              </a:ext>
+            </a:extLst>
+          </a:blip>
+          <a:stretch>
+            <a:fillRect/>
+          </a:stretch>
+        </p:blipFill>
+        <p:spPr>
+          <a:xfrm>
+            <a:off x="66940" y="74814"/>
+            <a:ext cx="6680652" cy="5906972"/>
+          </a:xfrm>
+        </p:spPr>
+      </p:pic>
+    </p:spTree>
+    <p:extLst>
+      <p:ext uri="{BB962C8B-B14F-4D97-AF65-F5344CB8AC3E}">
+        <p14:creationId xmlns:p14="http://schemas.microsoft.com/office/powerpoint/2010/main" val="3880467132"/>
+      </p:ext>
+    </p:extLst>
+  </p:cSld>
+  <p:clrMapOvr>
+    <a:masterClrMapping/>
+  </p:clrMapOvr>
+</p:sld>
+</file>
+
+<file path=ppt/slides/slide18.xml><?xml version="1.0" encoding="utf-8"?>
+<p:sld xmlns:a="http://schemas.openxmlformats.org/drawingml/2006/main" xmlns:r="http://schemas.openxmlformats.org/officeDocument/2006/relationships" xmlns:p="http://schemas.openxmlformats.org/presentationml/2006/main">
+  <p:cSld>
+    <p:spTree>
+      <p:nvGrpSpPr>
+        <p:cNvPr id="1" name=""/>
+        <p:cNvGrpSpPr/>
+        <p:nvPr/>
+      </p:nvGrpSpPr>
+      <p:grpSpPr>
+        <a:xfrm>
+          <a:off x="0" y="0"/>
+          <a:ext cx="0" cy="0"/>
+          <a:chOff x="0" y="0"/>
+          <a:chExt cx="0" cy="0"/>
+        </a:xfrm>
+      </p:grpSpPr>
+      <p:pic>
+        <p:nvPicPr>
+          <p:cNvPr id="4" name="內容版面配置區 3"/>
+          <p:cNvPicPr>
+            <a:picLocks noGrp="1" noChangeAspect="1"/>
+          </p:cNvPicPr>
+          <p:nvPr>
+            <p:ph idx="1"/>
+          </p:nvPr>
+        </p:nvPicPr>
+        <p:blipFill>
+          <a:blip r:embed="rId2">
+            <a:extLst>
+              <a:ext uri="{28A0092B-C50C-407E-A947-70E740481C1C}">
+                <a14:useLocalDpi xmlns:a14="http://schemas.microsoft.com/office/drawing/2010/main" val="0"/>
+              </a:ext>
+            </a:extLst>
+          </a:blip>
+          <a:stretch>
+            <a:fillRect/>
+          </a:stretch>
+        </p:blipFill>
+        <p:spPr>
+          <a:xfrm>
+            <a:off x="0" y="0"/>
+            <a:ext cx="10385580" cy="4438996"/>
+          </a:xfrm>
+        </p:spPr>
+      </p:pic>
+    </p:spTree>
+    <p:extLst>
+      <p:ext uri="{BB962C8B-B14F-4D97-AF65-F5344CB8AC3E}">
+        <p14:creationId xmlns:p14="http://schemas.microsoft.com/office/powerpoint/2010/main" val="1381456390"/>
+      </p:ext>
+    </p:extLst>
+  </p:cSld>
+  <p:clrMapOvr>
+    <a:masterClrMapping/>
+  </p:clrMapOvr>
+</p:sld>
+</file>
+
+<file path=ppt/slides/slide19.xml><?xml version="1.0" encoding="utf-8"?>
+<p:sld xmlns:a="http://schemas.openxmlformats.org/drawingml/2006/main" xmlns:r="http://schemas.openxmlformats.org/officeDocument/2006/relationships" xmlns:p="http://schemas.openxmlformats.org/presentationml/2006/main">
+  <p:cSld>
+    <p:spTree>
+      <p:nvGrpSpPr>
+        <p:cNvPr id="1" name=""/>
+        <p:cNvGrpSpPr/>
+        <p:nvPr/>
+      </p:nvGrpSpPr>
+      <p:grpSpPr>
+        <a:xfrm>
+          <a:off x="0" y="0"/>
+          <a:ext cx="0" cy="0"/>
+          <a:chOff x="0" y="0"/>
+          <a:chExt cx="0" cy="0"/>
+        </a:xfrm>
+      </p:grpSpPr>
+      <p:pic>
+        <p:nvPicPr>
+          <p:cNvPr id="4" name="內容版面配置區 3"/>
+          <p:cNvPicPr>
+            <a:picLocks noGrp="1" noChangeAspect="1"/>
+          </p:cNvPicPr>
+          <p:nvPr>
+            <p:ph idx="1"/>
+          </p:nvPr>
+        </p:nvPicPr>
+        <p:blipFill>
+          <a:blip r:embed="rId2">
+            <a:extLst>
+              <a:ext uri="{28A0092B-C50C-407E-A947-70E740481C1C}">
+                <a14:useLocalDpi xmlns:a14="http://schemas.microsoft.com/office/drawing/2010/main" val="0"/>
+              </a:ext>
+            </a:extLst>
+          </a:blip>
+          <a:stretch>
+            <a:fillRect/>
+          </a:stretch>
+        </p:blipFill>
+        <p:spPr>
+          <a:xfrm>
+            <a:off x="-1" y="91439"/>
+            <a:ext cx="7390015" cy="6234545"/>
+          </a:xfrm>
+        </p:spPr>
+      </p:pic>
+    </p:spTree>
+    <p:extLst>
+      <p:ext uri="{BB962C8B-B14F-4D97-AF65-F5344CB8AC3E}">
+        <p14:creationId xmlns:p14="http://schemas.microsoft.com/office/powerpoint/2010/main" val="355613651"/>
+      </p:ext>
+    </p:extLst>
+  </p:cSld>
+  <p:clrMapOvr>
+    <a:masterClrMapping/>
+  </p:clrMapOvr>
+</p:sld>
+</file>
+
 <file path=ppt/slides/slide2.xml><?xml version="1.0" encoding="utf-8"?>
 <p:sld xmlns:a="http://schemas.openxmlformats.org/drawingml/2006/main" xmlns:r="http://schemas.openxmlformats.org/officeDocument/2006/relationships" xmlns:p="http://schemas.openxmlformats.org/presentationml/2006/main">
   <p:cSld>
@@ -6142,6 +6748,124 @@
     <p:extLst>
       <p:ext uri="{BB962C8B-B14F-4D97-AF65-F5344CB8AC3E}">
         <p14:creationId xmlns:p14="http://schemas.microsoft.com/office/powerpoint/2010/main" val="216782054"/>
+      </p:ext>
+    </p:extLst>
+  </p:cSld>
+  <p:clrMapOvr>
+    <a:masterClrMapping/>
+  </p:clrMapOvr>
+</p:sld>
+</file>
+
+<file path=ppt/slides/slide20.xml><?xml version="1.0" encoding="utf-8"?>
+<p:sld xmlns:a="http://schemas.openxmlformats.org/drawingml/2006/main" xmlns:r="http://schemas.openxmlformats.org/officeDocument/2006/relationships" xmlns:p="http://schemas.openxmlformats.org/presentationml/2006/main">
+  <p:cSld>
+    <p:spTree>
+      <p:nvGrpSpPr>
+        <p:cNvPr id="1" name=""/>
+        <p:cNvGrpSpPr/>
+        <p:nvPr/>
+      </p:nvGrpSpPr>
+      <p:grpSpPr>
+        <a:xfrm>
+          <a:off x="0" y="0"/>
+          <a:ext cx="0" cy="0"/>
+          <a:chOff x="0" y="0"/>
+          <a:chExt cx="0" cy="0"/>
+        </a:xfrm>
+      </p:grpSpPr>
+      <p:pic>
+        <p:nvPicPr>
+          <p:cNvPr id="4" name="內容版面配置區 3"/>
+          <p:cNvPicPr>
+            <a:picLocks noGrp="1" noChangeAspect="1"/>
+          </p:cNvPicPr>
+          <p:nvPr>
+            <p:ph idx="1"/>
+          </p:nvPr>
+        </p:nvPicPr>
+        <p:blipFill>
+          <a:blip r:embed="rId2">
+            <a:extLst>
+              <a:ext uri="{28A0092B-C50C-407E-A947-70E740481C1C}">
+                <a14:useLocalDpi xmlns:a14="http://schemas.microsoft.com/office/drawing/2010/main" val="0"/>
+              </a:ext>
+            </a:extLst>
+          </a:blip>
+          <a:stretch>
+            <a:fillRect/>
+          </a:stretch>
+        </p:blipFill>
+        <p:spPr>
+          <a:xfrm>
+            <a:off x="0" y="0"/>
+            <a:ext cx="6668714" cy="6914944"/>
+          </a:xfrm>
+        </p:spPr>
+      </p:pic>
+    </p:spTree>
+    <p:extLst>
+      <p:ext uri="{BB962C8B-B14F-4D97-AF65-F5344CB8AC3E}">
+        <p14:creationId xmlns:p14="http://schemas.microsoft.com/office/powerpoint/2010/main" val="3137969265"/>
+      </p:ext>
+    </p:extLst>
+  </p:cSld>
+  <p:clrMapOvr>
+    <a:masterClrMapping/>
+  </p:clrMapOvr>
+</p:sld>
+</file>
+
+<file path=ppt/slides/slide21.xml><?xml version="1.0" encoding="utf-8"?>
+<p:sld xmlns:a="http://schemas.openxmlformats.org/drawingml/2006/main" xmlns:r="http://schemas.openxmlformats.org/officeDocument/2006/relationships" xmlns:p="http://schemas.openxmlformats.org/presentationml/2006/main">
+  <p:cSld>
+    <p:spTree>
+      <p:nvGrpSpPr>
+        <p:cNvPr id="1" name=""/>
+        <p:cNvGrpSpPr/>
+        <p:nvPr/>
+      </p:nvGrpSpPr>
+      <p:grpSpPr>
+        <a:xfrm>
+          <a:off x="0" y="0"/>
+          <a:ext cx="0" cy="0"/>
+          <a:chOff x="0" y="0"/>
+          <a:chExt cx="0" cy="0"/>
+        </a:xfrm>
+      </p:grpSpPr>
+      <p:pic>
+        <p:nvPicPr>
+          <p:cNvPr id="4" name="內容版面配置區 3"/>
+          <p:cNvPicPr>
+            <a:picLocks noGrp="1" noChangeAspect="1"/>
+          </p:cNvPicPr>
+          <p:nvPr>
+            <p:ph idx="1"/>
+          </p:nvPr>
+        </p:nvPicPr>
+        <p:blipFill>
+          <a:blip r:embed="rId2">
+            <a:extLst>
+              <a:ext uri="{28A0092B-C50C-407E-A947-70E740481C1C}">
+                <a14:useLocalDpi xmlns:a14="http://schemas.microsoft.com/office/drawing/2010/main" val="0"/>
+              </a:ext>
+            </a:extLst>
+          </a:blip>
+          <a:stretch>
+            <a:fillRect/>
+          </a:stretch>
+        </p:blipFill>
+        <p:spPr>
+          <a:xfrm>
+            <a:off x="-1" y="-1"/>
+            <a:ext cx="6758247" cy="6483927"/>
+          </a:xfrm>
+        </p:spPr>
+      </p:pic>
+    </p:spTree>
+    <p:extLst>
+      <p:ext uri="{BB962C8B-B14F-4D97-AF65-F5344CB8AC3E}">
+        <p14:creationId xmlns:p14="http://schemas.microsoft.com/office/powerpoint/2010/main" val="3101295881"/>
       </p:ext>
     </p:extLst>
   </p:cSld>
@@ -6319,6 +7043,242 @@
     <p:extLst>
       <p:ext uri="{BB962C8B-B14F-4D97-AF65-F5344CB8AC3E}">
         <p14:creationId xmlns:p14="http://schemas.microsoft.com/office/powerpoint/2010/main" val="1617567762"/>
+      </p:ext>
+    </p:extLst>
+  </p:cSld>
+  <p:clrMapOvr>
+    <a:masterClrMapping/>
+  </p:clrMapOvr>
+</p:sld>
+</file>
+
+<file path=ppt/slides/slide6.xml><?xml version="1.0" encoding="utf-8"?>
+<p:sld xmlns:a="http://schemas.openxmlformats.org/drawingml/2006/main" xmlns:r="http://schemas.openxmlformats.org/officeDocument/2006/relationships" xmlns:p="http://schemas.openxmlformats.org/presentationml/2006/main">
+  <p:cSld>
+    <p:spTree>
+      <p:nvGrpSpPr>
+        <p:cNvPr id="1" name=""/>
+        <p:cNvGrpSpPr/>
+        <p:nvPr/>
+      </p:nvGrpSpPr>
+      <p:grpSpPr>
+        <a:xfrm>
+          <a:off x="0" y="0"/>
+          <a:ext cx="0" cy="0"/>
+          <a:chOff x="0" y="0"/>
+          <a:chExt cx="0" cy="0"/>
+        </a:xfrm>
+      </p:grpSpPr>
+      <p:pic>
+        <p:nvPicPr>
+          <p:cNvPr id="4" name="內容版面配置區 3"/>
+          <p:cNvPicPr>
+            <a:picLocks noGrp="1" noChangeAspect="1"/>
+          </p:cNvPicPr>
+          <p:nvPr>
+            <p:ph idx="1"/>
+          </p:nvPr>
+        </p:nvPicPr>
+        <p:blipFill>
+          <a:blip r:embed="rId2">
+            <a:extLst>
+              <a:ext uri="{28A0092B-C50C-407E-A947-70E740481C1C}">
+                <a14:useLocalDpi xmlns:a14="http://schemas.microsoft.com/office/drawing/2010/main" val="0"/>
+              </a:ext>
+            </a:extLst>
+          </a:blip>
+          <a:stretch>
+            <a:fillRect/>
+          </a:stretch>
+        </p:blipFill>
+        <p:spPr>
+          <a:xfrm>
+            <a:off x="74815" y="141317"/>
+            <a:ext cx="6224394" cy="6206230"/>
+          </a:xfrm>
+        </p:spPr>
+      </p:pic>
+    </p:spTree>
+    <p:extLst>
+      <p:ext uri="{BB962C8B-B14F-4D97-AF65-F5344CB8AC3E}">
+        <p14:creationId xmlns:p14="http://schemas.microsoft.com/office/powerpoint/2010/main" val="3084506068"/>
+      </p:ext>
+    </p:extLst>
+  </p:cSld>
+  <p:clrMapOvr>
+    <a:masterClrMapping/>
+  </p:clrMapOvr>
+</p:sld>
+</file>
+
+<file path=ppt/slides/slide7.xml><?xml version="1.0" encoding="utf-8"?>
+<p:sld xmlns:a="http://schemas.openxmlformats.org/drawingml/2006/main" xmlns:r="http://schemas.openxmlformats.org/officeDocument/2006/relationships" xmlns:p="http://schemas.openxmlformats.org/presentationml/2006/main">
+  <p:cSld>
+    <p:spTree>
+      <p:nvGrpSpPr>
+        <p:cNvPr id="1" name=""/>
+        <p:cNvGrpSpPr/>
+        <p:nvPr/>
+      </p:nvGrpSpPr>
+      <p:grpSpPr>
+        <a:xfrm>
+          <a:off x="0" y="0"/>
+          <a:ext cx="0" cy="0"/>
+          <a:chOff x="0" y="0"/>
+          <a:chExt cx="0" cy="0"/>
+        </a:xfrm>
+      </p:grpSpPr>
+      <p:pic>
+        <p:nvPicPr>
+          <p:cNvPr id="4" name="內容版面配置區 3"/>
+          <p:cNvPicPr>
+            <a:picLocks noGrp="1" noChangeAspect="1"/>
+          </p:cNvPicPr>
+          <p:nvPr>
+            <p:ph idx="1"/>
+          </p:nvPr>
+        </p:nvPicPr>
+        <p:blipFill>
+          <a:blip r:embed="rId2">
+            <a:extLst>
+              <a:ext uri="{28A0092B-C50C-407E-A947-70E740481C1C}">
+                <a14:useLocalDpi xmlns:a14="http://schemas.microsoft.com/office/drawing/2010/main" val="0"/>
+              </a:ext>
+            </a:extLst>
+          </a:blip>
+          <a:stretch>
+            <a:fillRect/>
+          </a:stretch>
+        </p:blipFill>
+        <p:spPr>
+          <a:xfrm>
+            <a:off x="0" y="85775"/>
+            <a:ext cx="5953816" cy="6367190"/>
+          </a:xfrm>
+        </p:spPr>
+      </p:pic>
+    </p:spTree>
+    <p:extLst>
+      <p:ext uri="{BB962C8B-B14F-4D97-AF65-F5344CB8AC3E}">
+        <p14:creationId xmlns:p14="http://schemas.microsoft.com/office/powerpoint/2010/main" val="1989663087"/>
+      </p:ext>
+    </p:extLst>
+  </p:cSld>
+  <p:clrMapOvr>
+    <a:masterClrMapping/>
+  </p:clrMapOvr>
+</p:sld>
+</file>
+
+<file path=ppt/slides/slide8.xml><?xml version="1.0" encoding="utf-8"?>
+<p:sld xmlns:a="http://schemas.openxmlformats.org/drawingml/2006/main" xmlns:r="http://schemas.openxmlformats.org/officeDocument/2006/relationships" xmlns:p="http://schemas.openxmlformats.org/presentationml/2006/main">
+  <p:cSld>
+    <p:spTree>
+      <p:nvGrpSpPr>
+        <p:cNvPr id="1" name=""/>
+        <p:cNvGrpSpPr/>
+        <p:nvPr/>
+      </p:nvGrpSpPr>
+      <p:grpSpPr>
+        <a:xfrm>
+          <a:off x="0" y="0"/>
+          <a:ext cx="0" cy="0"/>
+          <a:chOff x="0" y="0"/>
+          <a:chExt cx="0" cy="0"/>
+        </a:xfrm>
+      </p:grpSpPr>
+      <p:pic>
+        <p:nvPicPr>
+          <p:cNvPr id="4" name="內容版面配置區 3"/>
+          <p:cNvPicPr>
+            <a:picLocks noGrp="1" noChangeAspect="1"/>
+          </p:cNvPicPr>
+          <p:nvPr>
+            <p:ph idx="1"/>
+          </p:nvPr>
+        </p:nvPicPr>
+        <p:blipFill>
+          <a:blip r:embed="rId2">
+            <a:extLst>
+              <a:ext uri="{28A0092B-C50C-407E-A947-70E740481C1C}">
+                <a14:useLocalDpi xmlns:a14="http://schemas.microsoft.com/office/drawing/2010/main" val="0"/>
+              </a:ext>
+            </a:extLst>
+          </a:blip>
+          <a:stretch>
+            <a:fillRect/>
+          </a:stretch>
+        </p:blipFill>
+        <p:spPr>
+          <a:xfrm>
+            <a:off x="102499" y="157942"/>
+            <a:ext cx="7789942" cy="3845416"/>
+          </a:xfrm>
+        </p:spPr>
+      </p:pic>
+    </p:spTree>
+    <p:extLst>
+      <p:ext uri="{BB962C8B-B14F-4D97-AF65-F5344CB8AC3E}">
+        <p14:creationId xmlns:p14="http://schemas.microsoft.com/office/powerpoint/2010/main" val="445108012"/>
+      </p:ext>
+    </p:extLst>
+  </p:cSld>
+  <p:clrMapOvr>
+    <a:masterClrMapping/>
+  </p:clrMapOvr>
+</p:sld>
+</file>
+
+<file path=ppt/slides/slide9.xml><?xml version="1.0" encoding="utf-8"?>
+<p:sld xmlns:a="http://schemas.openxmlformats.org/drawingml/2006/main" xmlns:r="http://schemas.openxmlformats.org/officeDocument/2006/relationships" xmlns:p="http://schemas.openxmlformats.org/presentationml/2006/main">
+  <p:cSld>
+    <p:spTree>
+      <p:nvGrpSpPr>
+        <p:cNvPr id="1" name=""/>
+        <p:cNvGrpSpPr/>
+        <p:nvPr/>
+      </p:nvGrpSpPr>
+      <p:grpSpPr>
+        <a:xfrm>
+          <a:off x="0" y="0"/>
+          <a:ext cx="0" cy="0"/>
+          <a:chOff x="0" y="0"/>
+          <a:chExt cx="0" cy="0"/>
+        </a:xfrm>
+      </p:grpSpPr>
+      <p:pic>
+        <p:nvPicPr>
+          <p:cNvPr id="4" name="內容版面配置區 3"/>
+          <p:cNvPicPr>
+            <a:picLocks noGrp="1" noChangeAspect="1"/>
+          </p:cNvPicPr>
+          <p:nvPr>
+            <p:ph idx="1"/>
+          </p:nvPr>
+        </p:nvPicPr>
+        <p:blipFill>
+          <a:blip r:embed="rId2">
+            <a:extLst>
+              <a:ext uri="{28A0092B-C50C-407E-A947-70E740481C1C}">
+                <a14:useLocalDpi xmlns:a14="http://schemas.microsoft.com/office/drawing/2010/main" val="0"/>
+              </a:ext>
+            </a:extLst>
+          </a:blip>
+          <a:stretch>
+            <a:fillRect/>
+          </a:stretch>
+        </p:blipFill>
+        <p:spPr>
+          <a:xfrm>
+            <a:off x="282292" y="216131"/>
+            <a:ext cx="5867564" cy="5491336"/>
+          </a:xfrm>
+        </p:spPr>
+      </p:pic>
+    </p:spTree>
+    <p:extLst>
+      <p:ext uri="{BB962C8B-B14F-4D97-AF65-F5344CB8AC3E}">
+        <p14:creationId xmlns:p14="http://schemas.microsoft.com/office/powerpoint/2010/main" val="963449938"/>
       </p:ext>
     </p:extLst>
   </p:cSld>
